--- a/Presentation.pptx
+++ b/Presentation.pptx
@@ -2524,29 +2524,29 @@
   </dgm:ptLst>
   <dgm:cxnLst>
     <dgm:cxn modelId="{503F82A8-CCF2-AB4B-83E4-710C66ACD604}" type="presOf" srcId="{C5BC228B-EB59-DF44-83BD-7072183ADF39}" destId="{D36900A0-E1C4-134F-A5FB-059A1DCE5D8A}" srcOrd="0" destOrd="0" presId="urn:microsoft.com/office/officeart/2005/8/layout/bList2"/>
+    <dgm:cxn modelId="{3DC86A33-BDBF-BF40-BC4E-AE9285072A09}" type="presOf" srcId="{942F626E-E121-0E45-B6CB-0DD01625BF62}" destId="{4779B33E-4409-AE45-87D2-967CC7A5C904}" srcOrd="0" destOrd="0" presId="urn:microsoft.com/office/officeart/2005/8/layout/bList2"/>
+    <dgm:cxn modelId="{8A38CCB8-24C7-DE4A-AD29-0D035FC8D1F7}" type="presOf" srcId="{F465B9D3-6A19-F346-B7E2-3B41AAB90509}" destId="{D61EF780-8295-9440-A73A-D96C67406D8E}" srcOrd="0" destOrd="0" presId="urn:microsoft.com/office/officeart/2005/8/layout/bList2"/>
+    <dgm:cxn modelId="{51AC04F1-44E1-9A4C-80EC-301F66BF4C31}" type="presOf" srcId="{70014A18-9872-244A-9EE9-1694BB762209}" destId="{068FC6B2-5F58-EB43-B2B9-C986697261FD}" srcOrd="0" destOrd="0" presId="urn:microsoft.com/office/officeart/2005/8/layout/bList2"/>
+    <dgm:cxn modelId="{0EABBB62-F849-EA4E-BF96-03DAECF9233F}" srcId="{DEF7B2EA-2765-9042-915E-8DC461F1AA69}" destId="{AAD2B035-BEDD-8C4B-B1B2-37762FAC7C07}" srcOrd="0" destOrd="0" parTransId="{8B29EC46-D5C0-3F42-A829-D511CC87B9FB}" sibTransId="{67008B38-9E4B-D742-8777-ECF939E3867D}"/>
+    <dgm:cxn modelId="{89343BAF-8CCD-2045-9E21-B546982D5C6F}" srcId="{C5BC228B-EB59-DF44-83BD-7072183ADF39}" destId="{15DAAFDE-5142-F748-9BEC-DA181F5531D1}" srcOrd="0" destOrd="0" parTransId="{4F5EDD40-792F-0041-ABA3-AB7A010F81DD}" sibTransId="{8F12DACE-8FEF-AF45-9ABF-4B6F05D902D3}"/>
+    <dgm:cxn modelId="{7F1ADF1F-E793-1D46-91DE-5CD985B97817}" type="presOf" srcId="{8AAF4E7E-4372-F143-9CC9-7D56DB70623A}" destId="{BA0FF79A-877C-7C46-A6D4-7EEB2A74FAD5}" srcOrd="1" destOrd="0" presId="urn:microsoft.com/office/officeart/2005/8/layout/bList2"/>
+    <dgm:cxn modelId="{B6A738C3-EA8C-A546-A43D-905D8D4CC08D}" srcId="{8AAF4E7E-4372-F143-9CC9-7D56DB70623A}" destId="{2FDA20BF-2794-4241-8E65-7D453D1AE53E}" srcOrd="0" destOrd="0" parTransId="{7B0EE90F-9506-D54B-86C0-0B4E30215737}" sibTransId="{9BCFE439-7D3E-424E-9DA0-6507788F1050}"/>
+    <dgm:cxn modelId="{9F7D4187-322B-7C4A-8EEF-4E876F237880}" type="presOf" srcId="{2FDA20BF-2794-4241-8E65-7D453D1AE53E}" destId="{84A25E4D-445F-4146-9AF9-AA344EA8CD5F}" srcOrd="0" destOrd="0" presId="urn:microsoft.com/office/officeart/2005/8/layout/bList2"/>
+    <dgm:cxn modelId="{AD20B249-D631-0846-8514-8412D0AD3E4F}" srcId="{DEF7B2EA-2765-9042-915E-8DC461F1AA69}" destId="{C5BC228B-EB59-DF44-83BD-7072183ADF39}" srcOrd="3" destOrd="0" parTransId="{748BFC0C-906F-BD42-9CD3-6F23919C2610}" sibTransId="{1ACB9F63-7AB4-E542-9691-026D3479C9DB}"/>
+    <dgm:cxn modelId="{89E82871-A149-0E4B-9FBD-F68B25256779}" type="presOf" srcId="{AAD2B035-BEDD-8C4B-B1B2-37762FAC7C07}" destId="{DB209F2E-8966-594C-8AE7-C2B3DDB63F19}" srcOrd="1" destOrd="0" presId="urn:microsoft.com/office/officeart/2005/8/layout/bList2"/>
+    <dgm:cxn modelId="{47D043E4-F204-9A45-A343-2C5FE2631989}" type="presOf" srcId="{0EBB6EFD-ABEF-4E43-B54C-05338C1B8885}" destId="{BCF3CA5E-5F7F-CA45-B35C-22D5E9D9642C}" srcOrd="0" destOrd="0" presId="urn:microsoft.com/office/officeart/2005/8/layout/bList2"/>
+    <dgm:cxn modelId="{EFF2793B-3D04-E94A-B08B-8936A3419D38}" type="presOf" srcId="{67008B38-9E4B-D742-8777-ECF939E3867D}" destId="{3AB9FD88-6F86-6C40-B4B2-6EEF623B96E7}" srcOrd="0" destOrd="0" presId="urn:microsoft.com/office/officeart/2005/8/layout/bList2"/>
+    <dgm:cxn modelId="{73A68BFB-2AD8-4D4C-9E34-5EE34C58006E}" type="presOf" srcId="{DEF7B2EA-2765-9042-915E-8DC461F1AA69}" destId="{470E9351-19C2-CC46-A889-7FB819C4D3A8}" srcOrd="0" destOrd="0" presId="urn:microsoft.com/office/officeart/2005/8/layout/bList2"/>
+    <dgm:cxn modelId="{C1E7B1DE-5CC2-8B40-ABA8-3779E5B5BCDE}" srcId="{DEF7B2EA-2765-9042-915E-8DC461F1AA69}" destId="{8AAF4E7E-4372-F143-9CC9-7D56DB70623A}" srcOrd="1" destOrd="0" parTransId="{2C93B9E3-EC8D-9641-9B47-9417D22D4A18}" sibTransId="{01760AA8-13DE-D14B-97FB-0EA746637478}"/>
+    <dgm:cxn modelId="{8126A41F-397C-B641-AA76-487F4AC608B8}" type="presOf" srcId="{AAD2B035-BEDD-8C4B-B1B2-37762FAC7C07}" destId="{01EC9B09-7770-4C4F-A5CE-D05A7510043B}" srcOrd="0" destOrd="0" presId="urn:microsoft.com/office/officeart/2005/8/layout/bList2"/>
+    <dgm:cxn modelId="{3D60A898-7030-A542-B63B-3D34C9125B0A}" type="presOf" srcId="{C5BC228B-EB59-DF44-83BD-7072183ADF39}" destId="{2CF7B694-26C2-A743-9EFE-9D0E8CFC8F15}" srcOrd="1" destOrd="0" presId="urn:microsoft.com/office/officeart/2005/8/layout/bList2"/>
+    <dgm:cxn modelId="{BE13B5E0-BC7A-0142-8EF7-D68C9963A3D4}" srcId="{DEF7B2EA-2765-9042-915E-8DC461F1AA69}" destId="{F465B9D3-6A19-F346-B7E2-3B41AAB90509}" srcOrd="2" destOrd="0" parTransId="{73761B22-BD14-C740-A946-0F784B8184B0}" sibTransId="{0EBB6EFD-ABEF-4E43-B54C-05338C1B8885}"/>
+    <dgm:cxn modelId="{1E4AE993-ADA5-0541-8CBC-9FE03AF1F8CF}" srcId="{F465B9D3-6A19-F346-B7E2-3B41AAB90509}" destId="{942F626E-E121-0E45-B6CB-0DD01625BF62}" srcOrd="0" destOrd="0" parTransId="{61924464-74A1-5E4D-80A0-748F4EAC9C91}" sibTransId="{0219FA8C-6257-3648-A98A-AA791ED3B418}"/>
+    <dgm:cxn modelId="{BB4BBF9F-AFCC-9A45-90DA-87C51F44DA7E}" type="presOf" srcId="{01760AA8-13DE-D14B-97FB-0EA746637478}" destId="{BC679418-3061-9D47-919D-A140898FD0B1}" srcOrd="0" destOrd="0" presId="urn:microsoft.com/office/officeart/2005/8/layout/bList2"/>
+    <dgm:cxn modelId="{CF6EC0CB-9F87-2943-ABAE-EC080D9CEC1F}" type="presOf" srcId="{F465B9D3-6A19-F346-B7E2-3B41AAB90509}" destId="{6BB11D24-3967-5744-8BD6-4BAFB361EA27}" srcOrd="1" destOrd="0" presId="urn:microsoft.com/office/officeart/2005/8/layout/bList2"/>
+    <dgm:cxn modelId="{2C197CC7-709D-8F41-B74B-6223700FF17B}" srcId="{AAD2B035-BEDD-8C4B-B1B2-37762FAC7C07}" destId="{70014A18-9872-244A-9EE9-1694BB762209}" srcOrd="0" destOrd="0" parTransId="{6B604833-79DE-F54D-A7BA-F33C9EE01AD3}" sibTransId="{0BA3B64A-F94E-3D41-9621-0BC13C367E71}"/>
     <dgm:cxn modelId="{88F9EE0B-0100-174A-B5FD-571D8DAB9112}" type="presOf" srcId="{15DAAFDE-5142-F748-9BEC-DA181F5531D1}" destId="{0845D79D-DCFB-B947-9EAA-0D09D00CBC1C}" srcOrd="0" destOrd="0" presId="urn:microsoft.com/office/officeart/2005/8/layout/bList2"/>
-    <dgm:cxn modelId="{0EABBB62-F849-EA4E-BF96-03DAECF9233F}" srcId="{DEF7B2EA-2765-9042-915E-8DC461F1AA69}" destId="{AAD2B035-BEDD-8C4B-B1B2-37762FAC7C07}" srcOrd="0" destOrd="0" parTransId="{8B29EC46-D5C0-3F42-A829-D511CC87B9FB}" sibTransId="{67008B38-9E4B-D742-8777-ECF939E3867D}"/>
-    <dgm:cxn modelId="{3D60A898-7030-A542-B63B-3D34C9125B0A}" type="presOf" srcId="{C5BC228B-EB59-DF44-83BD-7072183ADF39}" destId="{2CF7B694-26C2-A743-9EFE-9D0E8CFC8F15}" srcOrd="1" destOrd="0" presId="urn:microsoft.com/office/officeart/2005/8/layout/bList2"/>
-    <dgm:cxn modelId="{3DC86A33-BDBF-BF40-BC4E-AE9285072A09}" type="presOf" srcId="{942F626E-E121-0E45-B6CB-0DD01625BF62}" destId="{4779B33E-4409-AE45-87D2-967CC7A5C904}" srcOrd="0" destOrd="0" presId="urn:microsoft.com/office/officeart/2005/8/layout/bList2"/>
-    <dgm:cxn modelId="{AD20B249-D631-0846-8514-8412D0AD3E4F}" srcId="{DEF7B2EA-2765-9042-915E-8DC461F1AA69}" destId="{C5BC228B-EB59-DF44-83BD-7072183ADF39}" srcOrd="3" destOrd="0" parTransId="{748BFC0C-906F-BD42-9CD3-6F23919C2610}" sibTransId="{1ACB9F63-7AB4-E542-9691-026D3479C9DB}"/>
     <dgm:cxn modelId="{F2D29628-C0E8-6E44-917B-B6333E04B45A}" type="presOf" srcId="{8AAF4E7E-4372-F143-9CC9-7D56DB70623A}" destId="{FF3F1502-DD68-3240-A877-481769CD8852}" srcOrd="0" destOrd="0" presId="urn:microsoft.com/office/officeart/2005/8/layout/bList2"/>
-    <dgm:cxn modelId="{7F1ADF1F-E793-1D46-91DE-5CD985B97817}" type="presOf" srcId="{8AAF4E7E-4372-F143-9CC9-7D56DB70623A}" destId="{BA0FF79A-877C-7C46-A6D4-7EEB2A74FAD5}" srcOrd="1" destOrd="0" presId="urn:microsoft.com/office/officeart/2005/8/layout/bList2"/>
-    <dgm:cxn modelId="{EFF2793B-3D04-E94A-B08B-8936A3419D38}" type="presOf" srcId="{67008B38-9E4B-D742-8777-ECF939E3867D}" destId="{3AB9FD88-6F86-6C40-B4B2-6EEF623B96E7}" srcOrd="0" destOrd="0" presId="urn:microsoft.com/office/officeart/2005/8/layout/bList2"/>
-    <dgm:cxn modelId="{9F7D4187-322B-7C4A-8EEF-4E876F237880}" type="presOf" srcId="{2FDA20BF-2794-4241-8E65-7D453D1AE53E}" destId="{84A25E4D-445F-4146-9AF9-AA344EA8CD5F}" srcOrd="0" destOrd="0" presId="urn:microsoft.com/office/officeart/2005/8/layout/bList2"/>
-    <dgm:cxn modelId="{BE13B5E0-BC7A-0142-8EF7-D68C9963A3D4}" srcId="{DEF7B2EA-2765-9042-915E-8DC461F1AA69}" destId="{F465B9D3-6A19-F346-B7E2-3B41AAB90509}" srcOrd="2" destOrd="0" parTransId="{73761B22-BD14-C740-A946-0F784B8184B0}" sibTransId="{0EBB6EFD-ABEF-4E43-B54C-05338C1B8885}"/>
-    <dgm:cxn modelId="{BB4BBF9F-AFCC-9A45-90DA-87C51F44DA7E}" type="presOf" srcId="{01760AA8-13DE-D14B-97FB-0EA746637478}" destId="{BC679418-3061-9D47-919D-A140898FD0B1}" srcOrd="0" destOrd="0" presId="urn:microsoft.com/office/officeart/2005/8/layout/bList2"/>
-    <dgm:cxn modelId="{8126A41F-397C-B641-AA76-487F4AC608B8}" type="presOf" srcId="{AAD2B035-BEDD-8C4B-B1B2-37762FAC7C07}" destId="{01EC9B09-7770-4C4F-A5CE-D05A7510043B}" srcOrd="0" destOrd="0" presId="urn:microsoft.com/office/officeart/2005/8/layout/bList2"/>
-    <dgm:cxn modelId="{51AC04F1-44E1-9A4C-80EC-301F66BF4C31}" type="presOf" srcId="{70014A18-9872-244A-9EE9-1694BB762209}" destId="{068FC6B2-5F58-EB43-B2B9-C986697261FD}" srcOrd="0" destOrd="0" presId="urn:microsoft.com/office/officeart/2005/8/layout/bList2"/>
-    <dgm:cxn modelId="{CF6EC0CB-9F87-2943-ABAE-EC080D9CEC1F}" type="presOf" srcId="{F465B9D3-6A19-F346-B7E2-3B41AAB90509}" destId="{6BB11D24-3967-5744-8BD6-4BAFB361EA27}" srcOrd="1" destOrd="0" presId="urn:microsoft.com/office/officeart/2005/8/layout/bList2"/>
-    <dgm:cxn modelId="{1E4AE993-ADA5-0541-8CBC-9FE03AF1F8CF}" srcId="{F465B9D3-6A19-F346-B7E2-3B41AAB90509}" destId="{942F626E-E121-0E45-B6CB-0DD01625BF62}" srcOrd="0" destOrd="0" parTransId="{61924464-74A1-5E4D-80A0-748F4EAC9C91}" sibTransId="{0219FA8C-6257-3648-A98A-AA791ED3B418}"/>
-    <dgm:cxn modelId="{89343BAF-8CCD-2045-9E21-B546982D5C6F}" srcId="{C5BC228B-EB59-DF44-83BD-7072183ADF39}" destId="{15DAAFDE-5142-F748-9BEC-DA181F5531D1}" srcOrd="0" destOrd="0" parTransId="{4F5EDD40-792F-0041-ABA3-AB7A010F81DD}" sibTransId="{8F12DACE-8FEF-AF45-9ABF-4B6F05D902D3}"/>
-    <dgm:cxn modelId="{C1E7B1DE-5CC2-8B40-ABA8-3779E5B5BCDE}" srcId="{DEF7B2EA-2765-9042-915E-8DC461F1AA69}" destId="{8AAF4E7E-4372-F143-9CC9-7D56DB70623A}" srcOrd="1" destOrd="0" parTransId="{2C93B9E3-EC8D-9641-9B47-9417D22D4A18}" sibTransId="{01760AA8-13DE-D14B-97FB-0EA746637478}"/>
-    <dgm:cxn modelId="{73A68BFB-2AD8-4D4C-9E34-5EE34C58006E}" type="presOf" srcId="{DEF7B2EA-2765-9042-915E-8DC461F1AA69}" destId="{470E9351-19C2-CC46-A889-7FB819C4D3A8}" srcOrd="0" destOrd="0" presId="urn:microsoft.com/office/officeart/2005/8/layout/bList2"/>
-    <dgm:cxn modelId="{2C197CC7-709D-8F41-B74B-6223700FF17B}" srcId="{AAD2B035-BEDD-8C4B-B1B2-37762FAC7C07}" destId="{70014A18-9872-244A-9EE9-1694BB762209}" srcOrd="0" destOrd="0" parTransId="{6B604833-79DE-F54D-A7BA-F33C9EE01AD3}" sibTransId="{0BA3B64A-F94E-3D41-9621-0BC13C367E71}"/>
-    <dgm:cxn modelId="{B6A738C3-EA8C-A546-A43D-905D8D4CC08D}" srcId="{8AAF4E7E-4372-F143-9CC9-7D56DB70623A}" destId="{2FDA20BF-2794-4241-8E65-7D453D1AE53E}" srcOrd="0" destOrd="0" parTransId="{7B0EE90F-9506-D54B-86C0-0B4E30215737}" sibTransId="{9BCFE439-7D3E-424E-9DA0-6507788F1050}"/>
-    <dgm:cxn modelId="{8A38CCB8-24C7-DE4A-AD29-0D035FC8D1F7}" type="presOf" srcId="{F465B9D3-6A19-F346-B7E2-3B41AAB90509}" destId="{D61EF780-8295-9440-A73A-D96C67406D8E}" srcOrd="0" destOrd="0" presId="urn:microsoft.com/office/officeart/2005/8/layout/bList2"/>
-    <dgm:cxn modelId="{47D043E4-F204-9A45-A343-2C5FE2631989}" type="presOf" srcId="{0EBB6EFD-ABEF-4E43-B54C-05338C1B8885}" destId="{BCF3CA5E-5F7F-CA45-B35C-22D5E9D9642C}" srcOrd="0" destOrd="0" presId="urn:microsoft.com/office/officeart/2005/8/layout/bList2"/>
-    <dgm:cxn modelId="{89E82871-A149-0E4B-9FBD-F68B25256779}" type="presOf" srcId="{AAD2B035-BEDD-8C4B-B1B2-37762FAC7C07}" destId="{DB209F2E-8966-594C-8AE7-C2B3DDB63F19}" srcOrd="1" destOrd="0" presId="urn:microsoft.com/office/officeart/2005/8/layout/bList2"/>
     <dgm:cxn modelId="{AAF669B7-A5D6-F642-9DAF-BDD95E3EA0CA}" type="presParOf" srcId="{470E9351-19C2-CC46-A889-7FB819C4D3A8}" destId="{8C8E559B-6E82-C541-8FAD-24C88DBF6E8C}" srcOrd="0" destOrd="0" presId="urn:microsoft.com/office/officeart/2005/8/layout/bList2"/>
     <dgm:cxn modelId="{12E2776F-BBAB-0A45-B212-7C6483E4FCBA}" type="presParOf" srcId="{8C8E559B-6E82-C541-8FAD-24C88DBF6E8C}" destId="{068FC6B2-5F58-EB43-B2B9-C986697261FD}" srcOrd="0" destOrd="0" presId="urn:microsoft.com/office/officeart/2005/8/layout/bList2"/>
     <dgm:cxn modelId="{99EFE205-A546-B54A-A591-FF30B832B2CF}" type="presParOf" srcId="{8C8E559B-6E82-C541-8FAD-24C88DBF6E8C}" destId="{01EC9B09-7770-4C4F-A5CE-D05A7510043B}" srcOrd="1" destOrd="0" presId="urn:microsoft.com/office/officeart/2005/8/layout/bList2"/>
@@ -7007,7 +7007,7 @@
           <a:p>
             <a:fld id="{3682D837-3ABC-4948-A786-0419D208D8FF}" type="datetimeFigureOut">
               <a:rPr lang="en-US" smtClean="0"/>
-              <a:t>5/11/22</a:t>
+              <a:t>5/18/22</a:t>
             </a:fld>
             <a:endParaRPr lang="en-US"/>
           </a:p>
@@ -7424,6 +7424,90 @@
           <a:p>
             <a:fld id="{99614013-6D52-2646-AFD2-5269C05CE95E}" type="slidenum">
               <a:rPr lang="en-US" smtClean="0"/>
+              <a:t>10</a:t>
+            </a:fld>
+            <a:endParaRPr lang="en-US"/>
+          </a:p>
+        </p:txBody>
+      </p:sp>
+    </p:spTree>
+    <p:extLst>
+      <p:ext uri="{BB962C8B-B14F-4D97-AF65-F5344CB8AC3E}">
+        <p14:creationId xmlns:p14="http://schemas.microsoft.com/office/powerpoint/2010/main" val="72068698"/>
+      </p:ext>
+    </p:extLst>
+  </p:cSld>
+  <p:clrMapOvr>
+    <a:masterClrMapping/>
+  </p:clrMapOvr>
+</p:notes>
+</file>
+
+<file path=ppt/notesSlides/notesSlide3.xml><?xml version="1.0" encoding="utf-8"?>
+<p:notes xmlns:a="http://schemas.openxmlformats.org/drawingml/2006/main" xmlns:r="http://schemas.openxmlformats.org/officeDocument/2006/relationships" xmlns:p="http://schemas.openxmlformats.org/presentationml/2006/main">
+  <p:cSld>
+    <p:spTree>
+      <p:nvGrpSpPr>
+        <p:cNvPr id="1" name=""/>
+        <p:cNvGrpSpPr/>
+        <p:nvPr/>
+      </p:nvGrpSpPr>
+      <p:grpSpPr>
+        <a:xfrm>
+          <a:off x="0" y="0"/>
+          <a:ext cx="0" cy="0"/>
+          <a:chOff x="0" y="0"/>
+          <a:chExt cx="0" cy="0"/>
+        </a:xfrm>
+      </p:grpSpPr>
+      <p:sp>
+        <p:nvSpPr>
+          <p:cNvPr id="2" name="Slide Image Placeholder 1"/>
+          <p:cNvSpPr>
+            <a:spLocks noGrp="1" noRot="1" noChangeAspect="1"/>
+          </p:cNvSpPr>
+          <p:nvPr>
+            <p:ph type="sldImg"/>
+          </p:nvPr>
+        </p:nvSpPr>
+        <p:spPr/>
+      </p:sp>
+      <p:sp>
+        <p:nvSpPr>
+          <p:cNvPr id="3" name="Notes Placeholder 2"/>
+          <p:cNvSpPr>
+            <a:spLocks noGrp="1"/>
+          </p:cNvSpPr>
+          <p:nvPr>
+            <p:ph type="body" idx="1"/>
+          </p:nvPr>
+        </p:nvSpPr>
+        <p:spPr/>
+        <p:txBody>
+          <a:bodyPr/>
+          <a:lstStyle/>
+          <a:p>
+            <a:endParaRPr lang="en-US" dirty="0"/>
+          </a:p>
+        </p:txBody>
+      </p:sp>
+      <p:sp>
+        <p:nvSpPr>
+          <p:cNvPr id="4" name="Slide Number Placeholder 3"/>
+          <p:cNvSpPr>
+            <a:spLocks noGrp="1"/>
+          </p:cNvSpPr>
+          <p:nvPr>
+            <p:ph type="sldNum" sz="quarter" idx="10"/>
+          </p:nvPr>
+        </p:nvSpPr>
+        <p:spPr/>
+        <p:txBody>
+          <a:bodyPr/>
+          <a:lstStyle/>
+          <a:p>
+            <a:fld id="{99614013-6D52-2646-AFD2-5269C05CE95E}" type="slidenum">
+              <a:rPr lang="en-US" smtClean="0"/>
               <a:t>12</a:t>
             </a:fld>
             <a:endParaRPr lang="en-US"/>
@@ -7574,7 +7658,7 @@
           <a:p>
             <a:fld id="{3E0EC815-B472-534B-B17B-EBFC292FBDDC}" type="datetimeFigureOut">
               <a:rPr lang="en-US" smtClean="0"/>
-              <a:t>5/11/22</a:t>
+              <a:t>5/18/22</a:t>
             </a:fld>
             <a:endParaRPr lang="en-US"/>
           </a:p>
@@ -7744,7 +7828,7 @@
           <a:p>
             <a:fld id="{3E0EC815-B472-534B-B17B-EBFC292FBDDC}" type="datetimeFigureOut">
               <a:rPr lang="en-US" smtClean="0"/>
-              <a:t>5/11/22</a:t>
+              <a:t>5/18/22</a:t>
             </a:fld>
             <a:endParaRPr lang="en-US"/>
           </a:p>
@@ -7924,7 +8008,7 @@
           <a:p>
             <a:fld id="{3E0EC815-B472-534B-B17B-EBFC292FBDDC}" type="datetimeFigureOut">
               <a:rPr lang="en-US" smtClean="0"/>
-              <a:t>5/11/22</a:t>
+              <a:t>5/18/22</a:t>
             </a:fld>
             <a:endParaRPr lang="en-US"/>
           </a:p>
@@ -8094,7 +8178,7 @@
           <a:p>
             <a:fld id="{3E0EC815-B472-534B-B17B-EBFC292FBDDC}" type="datetimeFigureOut">
               <a:rPr lang="en-US" smtClean="0"/>
-              <a:t>5/11/22</a:t>
+              <a:t>5/18/22</a:t>
             </a:fld>
             <a:endParaRPr lang="en-US"/>
           </a:p>
@@ -8340,7 +8424,7 @@
           <a:p>
             <a:fld id="{3E0EC815-B472-534B-B17B-EBFC292FBDDC}" type="datetimeFigureOut">
               <a:rPr lang="en-US" smtClean="0"/>
-              <a:t>5/11/22</a:t>
+              <a:t>5/18/22</a:t>
             </a:fld>
             <a:endParaRPr lang="en-US"/>
           </a:p>
@@ -8572,7 +8656,7 @@
           <a:p>
             <a:fld id="{3E0EC815-B472-534B-B17B-EBFC292FBDDC}" type="datetimeFigureOut">
               <a:rPr lang="en-US" smtClean="0"/>
-              <a:t>5/11/22</a:t>
+              <a:t>5/18/22</a:t>
             </a:fld>
             <a:endParaRPr lang="en-US"/>
           </a:p>
@@ -8939,7 +9023,7 @@
           <a:p>
             <a:fld id="{3E0EC815-B472-534B-B17B-EBFC292FBDDC}" type="datetimeFigureOut">
               <a:rPr lang="en-US" smtClean="0"/>
-              <a:t>5/11/22</a:t>
+              <a:t>5/18/22</a:t>
             </a:fld>
             <a:endParaRPr lang="en-US"/>
           </a:p>
@@ -9057,7 +9141,7 @@
           <a:p>
             <a:fld id="{3E0EC815-B472-534B-B17B-EBFC292FBDDC}" type="datetimeFigureOut">
               <a:rPr lang="en-US" smtClean="0"/>
-              <a:t>5/11/22</a:t>
+              <a:t>5/18/22</a:t>
             </a:fld>
             <a:endParaRPr lang="en-US"/>
           </a:p>
@@ -9152,7 +9236,7 @@
           <a:p>
             <a:fld id="{3E0EC815-B472-534B-B17B-EBFC292FBDDC}" type="datetimeFigureOut">
               <a:rPr lang="en-US" smtClean="0"/>
-              <a:t>5/11/22</a:t>
+              <a:t>5/18/22</a:t>
             </a:fld>
             <a:endParaRPr lang="en-US"/>
           </a:p>
@@ -9429,7 +9513,7 @@
           <a:p>
             <a:fld id="{3E0EC815-B472-534B-B17B-EBFC292FBDDC}" type="datetimeFigureOut">
               <a:rPr lang="en-US" smtClean="0"/>
-              <a:t>5/11/22</a:t>
+              <a:t>5/18/22</a:t>
             </a:fld>
             <a:endParaRPr lang="en-US"/>
           </a:p>
@@ -9686,7 +9770,7 @@
           <a:p>
             <a:fld id="{3E0EC815-B472-534B-B17B-EBFC292FBDDC}" type="datetimeFigureOut">
               <a:rPr lang="en-US" smtClean="0"/>
-              <a:t>5/11/22</a:t>
+              <a:t>5/18/22</a:t>
             </a:fld>
             <a:endParaRPr lang="en-US"/>
           </a:p>
@@ -9899,7 +9983,7 @@
           <a:p>
             <a:fld id="{3E0EC815-B472-534B-B17B-EBFC292FBDDC}" type="datetimeFigureOut">
               <a:rPr lang="en-US" smtClean="0"/>
-              <a:t>5/11/22</a:t>
+              <a:t>5/18/22</a:t>
             </a:fld>
             <a:endParaRPr lang="en-US"/>
           </a:p>
@@ -10309,7 +10393,7 @@
           <p:cNvPr id="4" name="Title 1">
             <a:extLst>
               <a:ext uri="{FF2B5EF4-FFF2-40B4-BE49-F238E27FC236}">
-                <a16:creationId xmlns="" xmlns:a16="http://schemas.microsoft.com/office/drawing/2014/main" id="{275F301C-13E3-E2B0-491C-88A94868DF3B}"/>
+                <a16:creationId xmlns:a16="http://schemas.microsoft.com/office/drawing/2014/main" xmlns="" id="{275F301C-13E3-E2B0-491C-88A94868DF3B}"/>
               </a:ext>
             </a:extLst>
           </p:cNvPr>
@@ -10371,7 +10455,7 @@
           <p:cNvPr id="5" name="Picture 4" descr="A close up of a logo&#10;&#10;Description automatically generated">
             <a:extLst>
               <a:ext uri="{FF2B5EF4-FFF2-40B4-BE49-F238E27FC236}">
-                <a16:creationId xmlns="" xmlns:a16="http://schemas.microsoft.com/office/drawing/2014/main" id="{353FD212-E1C4-09CA-4FCA-79268C2FEE72}"/>
+                <a16:creationId xmlns:a16="http://schemas.microsoft.com/office/drawing/2014/main" xmlns="" id="{353FD212-E1C4-09CA-4FCA-79268C2FEE72}"/>
               </a:ext>
             </a:extLst>
           </p:cNvPr>
@@ -10401,7 +10485,7 @@
           <p:cNvPr id="6" name="TextBox 5">
             <a:extLst>
               <a:ext uri="{FF2B5EF4-FFF2-40B4-BE49-F238E27FC236}">
-                <a16:creationId xmlns="" xmlns:a16="http://schemas.microsoft.com/office/drawing/2014/main" id="{4B29BF0C-52AF-287D-B25F-0E8EB3935838}"/>
+                <a16:creationId xmlns:a16="http://schemas.microsoft.com/office/drawing/2014/main" xmlns="" id="{4B29BF0C-52AF-287D-B25F-0E8EB3935838}"/>
               </a:ext>
             </a:extLst>
           </p:cNvPr>
@@ -10484,7 +10568,7 @@
           <p:cNvPr id="5" name="Title 1">
             <a:extLst>
               <a:ext uri="{FF2B5EF4-FFF2-40B4-BE49-F238E27FC236}">
-                <a16:creationId xmlns="" xmlns:a16="http://schemas.microsoft.com/office/drawing/2014/main" id="{BCCDB550-8CD5-D5B9-7B45-C4AFCEE7A368}"/>
+                <a16:creationId xmlns:a16="http://schemas.microsoft.com/office/drawing/2014/main" xmlns="" id="{BCCDB550-8CD5-D5B9-7B45-C4AFCEE7A368}"/>
               </a:ext>
             </a:extLst>
           </p:cNvPr>
@@ -10543,7 +10627,7 @@
           <p:cNvPr id="6" name="Rectangle 5">
             <a:extLst>
               <a:ext uri="{FF2B5EF4-FFF2-40B4-BE49-F238E27FC236}">
-                <a16:creationId xmlns="" xmlns:a16="http://schemas.microsoft.com/office/drawing/2014/main" id="{DFDED218-0CEB-D90D-5B44-62D2F42AA924}"/>
+                <a16:creationId xmlns:a16="http://schemas.microsoft.com/office/drawing/2014/main" xmlns="" id="{DFDED218-0CEB-D90D-5B44-62D2F42AA924}"/>
               </a:ext>
             </a:extLst>
           </p:cNvPr>
@@ -10553,7 +10637,7 @@
         <p:spPr>
           <a:xfrm>
             <a:off x="838200" y="1690687"/>
-            <a:ext cx="5188361" cy="4588733"/>
+            <a:ext cx="4830905" cy="4588733"/>
           </a:xfrm>
           <a:prstGeom prst="rect">
             <a:avLst/>
@@ -10598,7 +10682,7 @@
           <p:cNvPr id="7" name="Content Placeholder 2">
             <a:extLst>
               <a:ext uri="{FF2B5EF4-FFF2-40B4-BE49-F238E27FC236}">
-                <a16:creationId xmlns="" xmlns:a16="http://schemas.microsoft.com/office/drawing/2014/main" id="{BEECE572-1612-EAE0-D87D-1CD2382E58A0}"/>
+                <a16:creationId xmlns:a16="http://schemas.microsoft.com/office/drawing/2014/main" xmlns="" id="{BEECE572-1612-EAE0-D87D-1CD2382E58A0}"/>
               </a:ext>
             </a:extLst>
           </p:cNvPr>
@@ -10811,7 +10895,7 @@
           <p:cNvPr id="8" name="Content Placeholder 2">
             <a:extLst>
               <a:ext uri="{FF2B5EF4-FFF2-40B4-BE49-F238E27FC236}">
-                <a16:creationId xmlns="" xmlns:a16="http://schemas.microsoft.com/office/drawing/2014/main" id="{570DA717-B3BE-3BEB-9855-75B7854F99A1}"/>
+                <a16:creationId xmlns:a16="http://schemas.microsoft.com/office/drawing/2014/main" xmlns="" id="{570DA717-B3BE-3BEB-9855-75B7854F99A1}"/>
               </a:ext>
             </a:extLst>
           </p:cNvPr>
@@ -10823,7 +10907,7 @@
         <p:spPr>
           <a:xfrm>
             <a:off x="1380574" y="2706984"/>
-            <a:ext cx="3746157" cy="1791273"/>
+            <a:ext cx="3746157" cy="2631932"/>
           </a:xfrm>
           <a:prstGeom prst="rect">
             <a:avLst/>
@@ -10831,7 +10915,7 @@
         </p:spPr>
         <p:txBody>
           <a:bodyPr vert="horz" lIns="91440" tIns="45720" rIns="91440" bIns="45720" rtlCol="0" anchor="ctr">
-            <a:normAutofit lnSpcReduction="10000"/>
+            <a:normAutofit/>
           </a:bodyPr>
           <a:lstStyle>
             <a:lvl1pPr marL="228600" indent="-228600" algn="l" defTabSz="914400" rtl="0" eaLnBrk="1" latinLnBrk="0" hangingPunct="1">
@@ -10998,20 +11082,78 @@
             </a:lvl9pPr>
           </a:lstStyle>
           <a:p>
-            <a:pPr marL="0" indent="0">
+            <a:pPr>
               <a:lnSpc>
                 <a:spcPct val="120000"/>
               </a:lnSpc>
-              <a:buFont typeface="Arial" panose="020B0604020202020204" pitchFamily="34" charset="0"/>
-              <a:buNone/>
             </a:pPr>
             <a:r>
               <a:rPr lang="en-US" sz="2000" dirty="0" smtClean="0">
                 <a:latin typeface="Hind Siliguri" panose="02000000000000000000" pitchFamily="2" charset="77"/>
                 <a:cs typeface="Hind Siliguri" panose="02000000000000000000" pitchFamily="2" charset="77"/>
               </a:rPr>
-              <a:t>In terms of worldwide gross, action/crime/thriller and action/adventure/sci-fi were the top money making genres since 2010.</a:t>
+              <a:t>Top worldwide grossing movies are:</a:t>
             </a:r>
+          </a:p>
+          <a:p>
+            <a:pPr lvl="1">
+              <a:lnSpc>
+                <a:spcPct val="120000"/>
+              </a:lnSpc>
+            </a:pPr>
+            <a:r>
+              <a:rPr lang="en-US" sz="1600" dirty="0" smtClean="0">
+                <a:latin typeface="Hind Siliguri" panose="02000000000000000000" pitchFamily="2" charset="77"/>
+                <a:cs typeface="Hind Siliguri" panose="02000000000000000000" pitchFamily="2" charset="77"/>
+              </a:rPr>
+              <a:t>Animation</a:t>
+            </a:r>
+          </a:p>
+          <a:p>
+            <a:pPr lvl="1">
+              <a:lnSpc>
+                <a:spcPct val="120000"/>
+              </a:lnSpc>
+            </a:pPr>
+            <a:r>
+              <a:rPr lang="en-US" sz="1600" dirty="0" smtClean="0">
+                <a:latin typeface="Hind Siliguri" panose="02000000000000000000" pitchFamily="2" charset="77"/>
+                <a:cs typeface="Hind Siliguri" panose="02000000000000000000" pitchFamily="2" charset="77"/>
+              </a:rPr>
+              <a:t>Sci-Fi</a:t>
+            </a:r>
+          </a:p>
+          <a:p>
+            <a:pPr lvl="1">
+              <a:lnSpc>
+                <a:spcPct val="120000"/>
+              </a:lnSpc>
+            </a:pPr>
+            <a:r>
+              <a:rPr lang="en-US" sz="1600" dirty="0" smtClean="0">
+                <a:latin typeface="Hind Siliguri" panose="02000000000000000000" pitchFamily="2" charset="77"/>
+                <a:cs typeface="Hind Siliguri" panose="02000000000000000000" pitchFamily="2" charset="77"/>
+              </a:rPr>
+              <a:t>Adventure</a:t>
+            </a:r>
+          </a:p>
+          <a:p>
+            <a:pPr lvl="1">
+              <a:lnSpc>
+                <a:spcPct val="120000"/>
+              </a:lnSpc>
+            </a:pPr>
+            <a:r>
+              <a:rPr lang="en-US" sz="1600" dirty="0" smtClean="0">
+                <a:latin typeface="Hind Siliguri" panose="02000000000000000000" pitchFamily="2" charset="77"/>
+                <a:cs typeface="Hind Siliguri" panose="02000000000000000000" pitchFamily="2" charset="77"/>
+              </a:rPr>
+              <a:t>Western</a:t>
+            </a:r>
+            <a:endParaRPr lang="en-US" sz="1600" dirty="0" smtClean="0">
+              <a:latin typeface="Hind Siliguri" panose="02000000000000000000" pitchFamily="2" charset="77"/>
+              <a:cs typeface="Hind Siliguri" panose="02000000000000000000" pitchFamily="2" charset="77"/>
+            </a:endParaRPr>
           </a:p>
         </p:txBody>
       </p:sp>
@@ -11020,7 +11162,7 @@
           <p:cNvPr id="23" name="Content Placeholder 2">
             <a:extLst>
               <a:ext uri="{FF2B5EF4-FFF2-40B4-BE49-F238E27FC236}">
-                <a16:creationId xmlns="" xmlns:a16="http://schemas.microsoft.com/office/drawing/2014/main" id="{E1D54AC8-4AF7-0A00-2D7D-A84335042BD4}"/>
+                <a16:creationId xmlns:a16="http://schemas.microsoft.com/office/drawing/2014/main" xmlns="" id="{E1D54AC8-4AF7-0A00-2D7D-A84335042BD4}"/>
               </a:ext>
             </a:extLst>
           </p:cNvPr>
@@ -11226,14 +11368,14 @@
       </p:sp>
       <p:pic>
         <p:nvPicPr>
-          <p:cNvPr id="4" name="Picture 3"/>
+          <p:cNvPr id="2" name="Picture 1"/>
           <p:cNvPicPr>
             <a:picLocks noChangeAspect="1"/>
           </p:cNvPicPr>
           <p:nvPr/>
         </p:nvPicPr>
         <p:blipFill>
-          <a:blip r:embed="rId2">
+          <a:blip r:embed="rId3">
             <a:extLst>
               <a:ext uri="{28A0092B-C50C-407E-A947-70E740481C1C}">
                 <a14:useLocalDpi xmlns:a14="http://schemas.microsoft.com/office/drawing/2010/main" val="0"/>
@@ -11246,8 +11388,8 @@
         </p:blipFill>
         <p:spPr>
           <a:xfrm>
-            <a:off x="5669106" y="173620"/>
-            <a:ext cx="6189520" cy="6286174"/>
+            <a:off x="5669105" y="0"/>
+            <a:ext cx="7110724" cy="6858000"/>
           </a:xfrm>
           <a:prstGeom prst="rect">
             <a:avLst/>
@@ -11304,7 +11446,7 @@
           <p:cNvPr id="2" name="Title 1">
             <a:extLst>
               <a:ext uri="{FF2B5EF4-FFF2-40B4-BE49-F238E27FC236}">
-                <a16:creationId xmlns="" xmlns:a16="http://schemas.microsoft.com/office/drawing/2014/main" id="{A366E7AE-2907-6A4C-B350-63622C840038}"/>
+                <a16:creationId xmlns:a16="http://schemas.microsoft.com/office/drawing/2014/main" xmlns="" id="{A366E7AE-2907-6A4C-B350-63622C840038}"/>
               </a:ext>
             </a:extLst>
           </p:cNvPr>
@@ -11343,7 +11485,7 @@
           <p:cNvPr id="4" name="Rectangle 3">
             <a:extLst>
               <a:ext uri="{FF2B5EF4-FFF2-40B4-BE49-F238E27FC236}">
-                <a16:creationId xmlns="" xmlns:a16="http://schemas.microsoft.com/office/drawing/2014/main" id="{9855AB97-CE12-8C6A-E32A-0980E93B3A40}"/>
+                <a16:creationId xmlns:a16="http://schemas.microsoft.com/office/drawing/2014/main" xmlns="" id="{9855AB97-CE12-8C6A-E32A-0980E93B3A40}"/>
               </a:ext>
             </a:extLst>
           </p:cNvPr>
@@ -11398,7 +11540,7 @@
           <p:cNvPr id="3" name="Content Placeholder 2">
             <a:extLst>
               <a:ext uri="{FF2B5EF4-FFF2-40B4-BE49-F238E27FC236}">
-                <a16:creationId xmlns="" xmlns:a16="http://schemas.microsoft.com/office/drawing/2014/main" id="{9678DAF0-EC40-E05F-BE2A-6BAA3BC34ABB}"/>
+                <a16:creationId xmlns:a16="http://schemas.microsoft.com/office/drawing/2014/main" xmlns="" id="{9678DAF0-EC40-E05F-BE2A-6BAA3BC34ABB}"/>
               </a:ext>
             </a:extLst>
           </p:cNvPr>
@@ -11431,14 +11573,14 @@
                 <a:latin typeface="Hind Siliguri" panose="02000000000000000000" pitchFamily="2" charset="77"/>
                 <a:cs typeface="Hind Siliguri" panose="02000000000000000000" pitchFamily="2" charset="77"/>
               </a:rPr>
-              <a:t>hiring of a well known director and actor are very important to creating a successful movie</a:t>
+              <a:t>hiring of a well known director and actor are very </a:t>
             </a:r>
             <a:r>
               <a:rPr lang="en-US" sz="2400" dirty="0" smtClean="0">
                 <a:latin typeface="Hind Siliguri" panose="02000000000000000000" pitchFamily="2" charset="77"/>
                 <a:cs typeface="Hind Siliguri" panose="02000000000000000000" pitchFamily="2" charset="77"/>
               </a:rPr>
-              <a:t>.</a:t>
+              <a:t>important.</a:t>
             </a:r>
           </a:p>
           <a:p>
@@ -11447,26 +11589,54 @@
                 <a:spcPct val="100000"/>
               </a:lnSpc>
             </a:pPr>
+            <a:r>
+              <a:rPr lang="en-US" sz="2400" dirty="0" smtClean="0">
+                <a:latin typeface="Hind Siliguri" panose="02000000000000000000" pitchFamily="2" charset="77"/>
+                <a:cs typeface="Hind Siliguri" panose="02000000000000000000" pitchFamily="2" charset="77"/>
+              </a:rPr>
+              <a:t>Christopher Nolan </a:t>
+            </a:r>
             <a:r>
               <a:rPr lang="en-US" sz="2400" dirty="0">
                 <a:latin typeface="Hind Siliguri" panose="02000000000000000000" pitchFamily="2" charset="77"/>
                 <a:cs typeface="Hind Siliguri" panose="02000000000000000000" pitchFamily="2" charset="77"/>
               </a:rPr>
-              <a:t>The data shows that Nolan and </a:t>
+              <a:t>and </a:t>
             </a:r>
             <a:r>
               <a:rPr lang="en-US" sz="2400" dirty="0" smtClean="0">
                 <a:latin typeface="Hind Siliguri" panose="02000000000000000000" pitchFamily="2" charset="77"/>
                 <a:cs typeface="Hind Siliguri" panose="02000000000000000000" pitchFamily="2" charset="77"/>
               </a:rPr>
-              <a:t>Watanabe </a:t>
+              <a:t>Ken Watanabe </a:t>
             </a:r>
             <a:r>
               <a:rPr lang="en-US" sz="2400" dirty="0">
                 <a:latin typeface="Hind Siliguri" panose="02000000000000000000" pitchFamily="2" charset="77"/>
                 <a:cs typeface="Hind Siliguri" panose="02000000000000000000" pitchFamily="2" charset="77"/>
               </a:rPr>
-              <a:t>are the most popular actors in the past </a:t>
+              <a:t>are the most popular actors </a:t>
+            </a:r>
+            <a:r>
+              <a:rPr lang="en-US" sz="2400" dirty="0" smtClean="0">
+                <a:latin typeface="Hind Siliguri" panose="02000000000000000000" pitchFamily="2" charset="77"/>
+                <a:cs typeface="Hind Siliguri" panose="02000000000000000000" pitchFamily="2" charset="77"/>
+              </a:rPr>
+              <a:t>of</a:t>
+            </a:r>
+            <a:r>
+              <a:rPr lang="en-US" sz="2400" dirty="0" smtClean="0">
+                <a:latin typeface="Hind Siliguri" panose="02000000000000000000" pitchFamily="2" charset="77"/>
+                <a:cs typeface="Hind Siliguri" panose="02000000000000000000" pitchFamily="2" charset="77"/>
+              </a:rPr>
+              <a:t> </a:t>
+            </a:r>
+            <a:r>
+              <a:rPr lang="en-US" sz="2400" dirty="0">
+                <a:latin typeface="Hind Siliguri" panose="02000000000000000000" pitchFamily="2" charset="77"/>
+                <a:cs typeface="Hind Siliguri" panose="02000000000000000000" pitchFamily="2" charset="77"/>
+              </a:rPr>
+              <a:t>the past </a:t>
             </a:r>
             <a:r>
               <a:rPr lang="en-US" sz="2400" dirty="0" smtClean="0">
@@ -11487,15 +11657,8 @@
                 <a:latin typeface="Hind Siliguri" panose="02000000000000000000" pitchFamily="2" charset="77"/>
                 <a:cs typeface="Hind Siliguri" panose="02000000000000000000" pitchFamily="2" charset="77"/>
               </a:rPr>
-              <a:t>Action movies do the best in the box office. </a:t>
+              <a:t>Animation, Sci-fi, Adventure, and westerns are to grossing genres.</a:t>
             </a:r>
-          </a:p>
-          <a:p>
-            <a:pPr algn="ctr">
-              <a:lnSpc>
-                <a:spcPct val="100000"/>
-              </a:lnSpc>
-            </a:pPr>
             <a:endParaRPr lang="en-US" sz="2400" dirty="0">
               <a:latin typeface="Hind Siliguri" panose="02000000000000000000" pitchFamily="2" charset="77"/>
               <a:cs typeface="Hind Siliguri" panose="02000000000000000000" pitchFamily="2" charset="77"/>
@@ -11553,7 +11716,7 @@
           <p:cNvPr id="2" name="Title 1">
             <a:extLst>
               <a:ext uri="{FF2B5EF4-FFF2-40B4-BE49-F238E27FC236}">
-                <a16:creationId xmlns="" xmlns:a16="http://schemas.microsoft.com/office/drawing/2014/main" id="{A366E7AE-2907-6A4C-B350-63622C840038}"/>
+                <a16:creationId xmlns:a16="http://schemas.microsoft.com/office/drawing/2014/main" xmlns="" id="{A366E7AE-2907-6A4C-B350-63622C840038}"/>
               </a:ext>
             </a:extLst>
           </p:cNvPr>
@@ -11591,7 +11754,7 @@
           <p:cNvPr id="4" name="Rectangle 3">
             <a:extLst>
               <a:ext uri="{FF2B5EF4-FFF2-40B4-BE49-F238E27FC236}">
-                <a16:creationId xmlns="" xmlns:a16="http://schemas.microsoft.com/office/drawing/2014/main" id="{9855AB97-CE12-8C6A-E32A-0980E93B3A40}"/>
+                <a16:creationId xmlns:a16="http://schemas.microsoft.com/office/drawing/2014/main" xmlns="" id="{9855AB97-CE12-8C6A-E32A-0980E93B3A40}"/>
               </a:ext>
             </a:extLst>
           </p:cNvPr>
@@ -11646,7 +11809,7 @@
           <p:cNvPr id="3" name="Content Placeholder 2">
             <a:extLst>
               <a:ext uri="{FF2B5EF4-FFF2-40B4-BE49-F238E27FC236}">
-                <a16:creationId xmlns="" xmlns:a16="http://schemas.microsoft.com/office/drawing/2014/main" id="{9678DAF0-EC40-E05F-BE2A-6BAA3BC34ABB}"/>
+                <a16:creationId xmlns:a16="http://schemas.microsoft.com/office/drawing/2014/main" xmlns="" id="{9678DAF0-EC40-E05F-BE2A-6BAA3BC34ABB}"/>
               </a:ext>
             </a:extLst>
           </p:cNvPr>
@@ -11690,7 +11853,7 @@
           <p:cNvPr id="10" name="TextBox 9">
             <a:extLst>
               <a:ext uri="{FF2B5EF4-FFF2-40B4-BE49-F238E27FC236}">
-                <a16:creationId xmlns="" xmlns:a16="http://schemas.microsoft.com/office/drawing/2014/main" id="{A0319DFB-F773-7122-A4DE-9C823B1A841B}"/>
+                <a16:creationId xmlns:a16="http://schemas.microsoft.com/office/drawing/2014/main" xmlns="" id="{A0319DFB-F773-7122-A4DE-9C823B1A841B}"/>
               </a:ext>
             </a:extLst>
           </p:cNvPr>
@@ -11728,7 +11891,7 @@
           <p:cNvPr id="25" name="Content Placeholder 2">
             <a:extLst>
               <a:ext uri="{FF2B5EF4-FFF2-40B4-BE49-F238E27FC236}">
-                <a16:creationId xmlns="" xmlns:a16="http://schemas.microsoft.com/office/drawing/2014/main" id="{A7A581C5-A211-B778-4BDB-55F20530B1C6}"/>
+                <a16:creationId xmlns:a16="http://schemas.microsoft.com/office/drawing/2014/main" xmlns="" id="{A7A581C5-A211-B778-4BDB-55F20530B1C6}"/>
               </a:ext>
             </a:extLst>
           </p:cNvPr>
@@ -11921,8 +12084,16 @@
               </a:lnSpc>
             </a:pPr>
             <a:r>
-              <a:rPr lang="en-US" sz="2000" dirty="0" smtClean="0"/>
-              <a:t>I recommend Microsoft film action films. </a:t>
+              <a:rPr lang="en-US" sz="2400" dirty="0" smtClean="0"/>
+              <a:t>I recommend Microsoft film </a:t>
+            </a:r>
+            <a:r>
+              <a:rPr lang="en-US" sz="2400" dirty="0" smtClean="0"/>
+              <a:t>animated or sci-fi </a:t>
+            </a:r>
+            <a:r>
+              <a:rPr lang="en-US" sz="2400" dirty="0" smtClean="0"/>
+              <a:t>films. </a:t>
             </a:r>
           </a:p>
           <a:p>
@@ -11932,9 +12103,14 @@
               </a:lnSpc>
             </a:pPr>
             <a:r>
-              <a:rPr lang="en-US" sz="2000" dirty="0" smtClean="0"/>
-              <a:t>Hiring a well know director and actor duo is proven to positively impact the worldwide gross and exposure of a film. </a:t>
+              <a:rPr lang="en-US" sz="2400" dirty="0" smtClean="0"/>
+              <a:t>Hiring a well know director and actor duo is proven to positively impact the </a:t>
             </a:r>
+            <a:r>
+              <a:rPr lang="en-US" sz="2400" dirty="0" smtClean="0"/>
+              <a:t>viewing of the a film by the public audience. </a:t>
+            </a:r>
+            <a:endParaRPr lang="en-US" sz="2400" dirty="0" smtClean="0"/>
           </a:p>
           <a:p>
             <a:pPr>
@@ -11943,10 +12119,9 @@
               </a:lnSpc>
             </a:pPr>
             <a:r>
-              <a:rPr lang="en-US" sz="2000" dirty="0" smtClean="0"/>
+              <a:rPr lang="en-US" sz="2400" dirty="0" smtClean="0"/>
               <a:t>Releasing a film in November or July is the best time to release to film to promote the highest box office sales. </a:t>
             </a:r>
-            <a:endParaRPr lang="en-US" sz="2000" dirty="0" smtClean="0"/>
           </a:p>
         </p:txBody>
       </p:sp>
@@ -12000,7 +12175,7 @@
           <p:cNvPr id="5" name="Title 1">
             <a:extLst>
               <a:ext uri="{FF2B5EF4-FFF2-40B4-BE49-F238E27FC236}">
-                <a16:creationId xmlns="" xmlns:a16="http://schemas.microsoft.com/office/drawing/2014/main" id="{BCCDB550-8CD5-D5B9-7B45-C4AFCEE7A368}"/>
+                <a16:creationId xmlns:a16="http://schemas.microsoft.com/office/drawing/2014/main" xmlns="" id="{BCCDB550-8CD5-D5B9-7B45-C4AFCEE7A368}"/>
               </a:ext>
             </a:extLst>
           </p:cNvPr>
@@ -12065,7 +12240,7 @@
           <p:cNvPr id="4" name="Content Placeholder 3">
             <a:extLst>
               <a:ext uri="{FF2B5EF4-FFF2-40B4-BE49-F238E27FC236}">
-                <a16:creationId xmlns="" xmlns:a16="http://schemas.microsoft.com/office/drawing/2014/main" id="{53C721EE-FC28-AB18-6FC8-2F3B0DA35A02}"/>
+                <a16:creationId xmlns:a16="http://schemas.microsoft.com/office/drawing/2014/main" xmlns="" id="{53C721EE-FC28-AB18-6FC8-2F3B0DA35A02}"/>
               </a:ext>
             </a:extLst>
           </p:cNvPr>
@@ -12141,7 +12316,7 @@
           <p:cNvPr id="2" name="Title 1">
             <a:extLst>
               <a:ext uri="{FF2B5EF4-FFF2-40B4-BE49-F238E27FC236}">
-                <a16:creationId xmlns="" xmlns:a16="http://schemas.microsoft.com/office/drawing/2014/main" id="{A366E7AE-2907-6A4C-B350-63622C840038}"/>
+                <a16:creationId xmlns:a16="http://schemas.microsoft.com/office/drawing/2014/main" xmlns="" id="{A366E7AE-2907-6A4C-B350-63622C840038}"/>
               </a:ext>
             </a:extLst>
           </p:cNvPr>
@@ -12180,7 +12355,7 @@
           <p:cNvPr id="3" name="Content Placeholder 2">
             <a:extLst>
               <a:ext uri="{FF2B5EF4-FFF2-40B4-BE49-F238E27FC236}">
-                <a16:creationId xmlns="" xmlns:a16="http://schemas.microsoft.com/office/drawing/2014/main" id="{9678DAF0-EC40-E05F-BE2A-6BAA3BC34ABB}"/>
+                <a16:creationId xmlns:a16="http://schemas.microsoft.com/office/drawing/2014/main" xmlns="" id="{9678DAF0-EC40-E05F-BE2A-6BAA3BC34ABB}"/>
               </a:ext>
             </a:extLst>
           </p:cNvPr>
@@ -12235,7 +12410,7 @@
           <p:cNvPr id="10" name="TextBox 9">
             <a:extLst>
               <a:ext uri="{FF2B5EF4-FFF2-40B4-BE49-F238E27FC236}">
-                <a16:creationId xmlns="" xmlns:a16="http://schemas.microsoft.com/office/drawing/2014/main" id="{A0319DFB-F773-7122-A4DE-9C823B1A841B}"/>
+                <a16:creationId xmlns:a16="http://schemas.microsoft.com/office/drawing/2014/main" xmlns="" id="{A0319DFB-F773-7122-A4DE-9C823B1A841B}"/>
               </a:ext>
             </a:extLst>
           </p:cNvPr>
@@ -12273,7 +12448,7 @@
           <p:cNvPr id="25" name="Content Placeholder 2">
             <a:extLst>
               <a:ext uri="{FF2B5EF4-FFF2-40B4-BE49-F238E27FC236}">
-                <a16:creationId xmlns="" xmlns:a16="http://schemas.microsoft.com/office/drawing/2014/main" id="{A7A581C5-A211-B778-4BDB-55F20530B1C6}"/>
+                <a16:creationId xmlns:a16="http://schemas.microsoft.com/office/drawing/2014/main" xmlns="" id="{A7A581C5-A211-B778-4BDB-55F20530B1C6}"/>
               </a:ext>
             </a:extLst>
           </p:cNvPr>
@@ -12477,7 +12652,7 @@
                 <a:hlinkClick r:id="rId2">
                   <a:extLst>
                     <a:ext uri="{A12FA001-AC4F-418D-AE19-62706E023703}">
-                      <ahyp:hlinkClr xmlns="" xmlns:ahyp="http://schemas.microsoft.com/office/drawing/2018/hyperlinkcolor" val="tx"/>
+                      <ahyp:hlinkClr xmlns:ahyp="http://schemas.microsoft.com/office/drawing/2018/hyperlinkcolor" xmlns="" val="tx"/>
                     </a:ext>
                   </a:extLst>
                 </a:hlinkClick>
@@ -12494,7 +12669,7 @@
                 <a:hlinkClick r:id="rId2">
                   <a:extLst>
                     <a:ext uri="{A12FA001-AC4F-418D-AE19-62706E023703}">
-                      <ahyp:hlinkClr xmlns="" xmlns:ahyp="http://schemas.microsoft.com/office/drawing/2018/hyperlinkcolor" val="tx"/>
+                      <ahyp:hlinkClr xmlns:ahyp="http://schemas.microsoft.com/office/drawing/2018/hyperlinkcolor" xmlns="" val="tx"/>
                     </a:ext>
                   </a:extLst>
                 </a:hlinkClick>
@@ -12571,7 +12746,7 @@
           <p:cNvPr id="6" name="Graphic 5" descr="Link with solid fill">
             <a:extLst>
               <a:ext uri="{FF2B5EF4-FFF2-40B4-BE49-F238E27FC236}">
-                <a16:creationId xmlns="" xmlns:a16="http://schemas.microsoft.com/office/drawing/2014/main" id="{63B4DE5F-0546-2C67-64DA-5329F7903263}"/>
+                <a16:creationId xmlns:a16="http://schemas.microsoft.com/office/drawing/2014/main" xmlns="" id="{63B4DE5F-0546-2C67-64DA-5329F7903263}"/>
               </a:ext>
             </a:extLst>
           </p:cNvPr>
@@ -12584,7 +12759,7 @@
           <a:blip r:embed="rId3">
             <a:extLst>
               <a:ext uri="{96DAC541-7B7A-43D3-8B79-37D633B846F1}">
-                <asvg:svgBlip xmlns="" xmlns:asvg="http://schemas.microsoft.com/office/drawing/2016/SVG/main" r:embed="rId5"/>
+                <asvg:svgBlip xmlns:asvg="http://schemas.microsoft.com/office/drawing/2016/SVG/main" xmlns="" r:embed="rId5"/>
               </a:ext>
             </a:extLst>
           </a:blip>
@@ -12607,7 +12782,7 @@
           <p:cNvPr id="8" name="Graphic 7" descr="Envelope with solid fill">
             <a:extLst>
               <a:ext uri="{FF2B5EF4-FFF2-40B4-BE49-F238E27FC236}">
-                <a16:creationId xmlns="" xmlns:a16="http://schemas.microsoft.com/office/drawing/2014/main" id="{676F87C9-EED9-DE21-9549-1B77624C8602}"/>
+                <a16:creationId xmlns:a16="http://schemas.microsoft.com/office/drawing/2014/main" xmlns="" id="{676F87C9-EED9-DE21-9549-1B77624C8602}"/>
               </a:ext>
             </a:extLst>
           </p:cNvPr>
@@ -12620,7 +12795,7 @@
           <a:blip r:embed="rId6">
             <a:extLst>
               <a:ext uri="{96DAC541-7B7A-43D3-8B79-37D633B846F1}">
-                <asvg:svgBlip xmlns="" xmlns:asvg="http://schemas.microsoft.com/office/drawing/2016/SVG/main" r:embed="rId7"/>
+                <asvg:svgBlip xmlns:asvg="http://schemas.microsoft.com/office/drawing/2016/SVG/main" xmlns="" r:embed="rId7"/>
               </a:ext>
             </a:extLst>
           </a:blip>
@@ -12688,7 +12863,7 @@
           <p:cNvPr id="2" name="Title 1">
             <a:extLst>
               <a:ext uri="{FF2B5EF4-FFF2-40B4-BE49-F238E27FC236}">
-                <a16:creationId xmlns="" xmlns:a16="http://schemas.microsoft.com/office/drawing/2014/main" id="{A366E7AE-2907-6A4C-B350-63622C840038}"/>
+                <a16:creationId xmlns:a16="http://schemas.microsoft.com/office/drawing/2014/main" xmlns="" id="{A366E7AE-2907-6A4C-B350-63622C840038}"/>
               </a:ext>
             </a:extLst>
           </p:cNvPr>
@@ -12726,7 +12901,7 @@
           <p:cNvPr id="4" name="Rectangle 3">
             <a:extLst>
               <a:ext uri="{FF2B5EF4-FFF2-40B4-BE49-F238E27FC236}">
-                <a16:creationId xmlns="" xmlns:a16="http://schemas.microsoft.com/office/drawing/2014/main" id="{9855AB97-CE12-8C6A-E32A-0980E93B3A40}"/>
+                <a16:creationId xmlns:a16="http://schemas.microsoft.com/office/drawing/2014/main" xmlns="" id="{9855AB97-CE12-8C6A-E32A-0980E93B3A40}"/>
               </a:ext>
             </a:extLst>
           </p:cNvPr>
@@ -12781,7 +12956,7 @@
           <p:cNvPr id="3" name="Content Placeholder 2">
             <a:extLst>
               <a:ext uri="{FF2B5EF4-FFF2-40B4-BE49-F238E27FC236}">
-                <a16:creationId xmlns="" xmlns:a16="http://schemas.microsoft.com/office/drawing/2014/main" id="{9678DAF0-EC40-E05F-BE2A-6BAA3BC34ABB}"/>
+                <a16:creationId xmlns:a16="http://schemas.microsoft.com/office/drawing/2014/main" xmlns="" id="{9678DAF0-EC40-E05F-BE2A-6BAA3BC34ABB}"/>
               </a:ext>
             </a:extLst>
           </p:cNvPr>
@@ -12943,7 +13118,7 @@
           <p:cNvPr id="7" name="Group 6">
             <a:extLst>
               <a:ext uri="{FF2B5EF4-FFF2-40B4-BE49-F238E27FC236}">
-                <a16:creationId xmlns="" xmlns:a16="http://schemas.microsoft.com/office/drawing/2014/main" id="{D8AEF3AE-39A3-C85A-FC27-30761203C34C}"/>
+                <a16:creationId xmlns:a16="http://schemas.microsoft.com/office/drawing/2014/main" xmlns="" id="{D8AEF3AE-39A3-C85A-FC27-30761203C34C}"/>
               </a:ext>
             </a:extLst>
           </p:cNvPr>
@@ -12963,7 +13138,7 @@
             <p:cNvPr id="5" name="Oval 4">
               <a:extLst>
                 <a:ext uri="{FF2B5EF4-FFF2-40B4-BE49-F238E27FC236}">
-                  <a16:creationId xmlns="" xmlns:a16="http://schemas.microsoft.com/office/drawing/2014/main" id="{0DD0759A-14D5-0655-7A55-0D299644E8D3}"/>
+                  <a16:creationId xmlns:a16="http://schemas.microsoft.com/office/drawing/2014/main" xmlns="" id="{0DD0759A-14D5-0655-7A55-0D299644E8D3}"/>
                 </a:ext>
               </a:extLst>
             </p:cNvPr>
@@ -13019,7 +13194,7 @@
             <p:cNvPr id="6" name="TextBox 5">
               <a:extLst>
                 <a:ext uri="{FF2B5EF4-FFF2-40B4-BE49-F238E27FC236}">
-                  <a16:creationId xmlns="" xmlns:a16="http://schemas.microsoft.com/office/drawing/2014/main" id="{5770CC35-4965-6D4D-EA9F-FFE646822EFA}"/>
+                  <a16:creationId xmlns:a16="http://schemas.microsoft.com/office/drawing/2014/main" xmlns="" id="{5770CC35-4965-6D4D-EA9F-FFE646822EFA}"/>
                 </a:ext>
               </a:extLst>
             </p:cNvPr>
@@ -13061,7 +13236,7 @@
           <p:cNvPr id="8" name="Group 7">
             <a:extLst>
               <a:ext uri="{FF2B5EF4-FFF2-40B4-BE49-F238E27FC236}">
-                <a16:creationId xmlns="" xmlns:a16="http://schemas.microsoft.com/office/drawing/2014/main" id="{291A76D4-3F35-C73B-D27A-193E3E844B60}"/>
+                <a16:creationId xmlns:a16="http://schemas.microsoft.com/office/drawing/2014/main" xmlns="" id="{291A76D4-3F35-C73B-D27A-193E3E844B60}"/>
               </a:ext>
             </a:extLst>
           </p:cNvPr>
@@ -13081,7 +13256,7 @@
             <p:cNvPr id="9" name="Oval 8">
               <a:extLst>
                 <a:ext uri="{FF2B5EF4-FFF2-40B4-BE49-F238E27FC236}">
-                  <a16:creationId xmlns="" xmlns:a16="http://schemas.microsoft.com/office/drawing/2014/main" id="{31E7A67B-0D4A-CB08-E274-F70DEACD122C}"/>
+                  <a16:creationId xmlns:a16="http://schemas.microsoft.com/office/drawing/2014/main" xmlns="" id="{31E7A67B-0D4A-CB08-E274-F70DEACD122C}"/>
                 </a:ext>
               </a:extLst>
             </p:cNvPr>
@@ -13137,7 +13312,7 @@
             <p:cNvPr id="10" name="TextBox 9">
               <a:extLst>
                 <a:ext uri="{FF2B5EF4-FFF2-40B4-BE49-F238E27FC236}">
-                  <a16:creationId xmlns="" xmlns:a16="http://schemas.microsoft.com/office/drawing/2014/main" id="{A0319DFB-F773-7122-A4DE-9C823B1A841B}"/>
+                  <a16:creationId xmlns:a16="http://schemas.microsoft.com/office/drawing/2014/main" xmlns="" id="{A0319DFB-F773-7122-A4DE-9C823B1A841B}"/>
                 </a:ext>
               </a:extLst>
             </p:cNvPr>
@@ -13179,7 +13354,7 @@
           <p:cNvPr id="11" name="Group 10">
             <a:extLst>
               <a:ext uri="{FF2B5EF4-FFF2-40B4-BE49-F238E27FC236}">
-                <a16:creationId xmlns="" xmlns:a16="http://schemas.microsoft.com/office/drawing/2014/main" id="{09D336AB-10F9-E388-33C1-C9804B2A8FC7}"/>
+                <a16:creationId xmlns:a16="http://schemas.microsoft.com/office/drawing/2014/main" xmlns="" id="{09D336AB-10F9-E388-33C1-C9804B2A8FC7}"/>
               </a:ext>
             </a:extLst>
           </p:cNvPr>
@@ -13199,7 +13374,7 @@
             <p:cNvPr id="12" name="Oval 11">
               <a:extLst>
                 <a:ext uri="{FF2B5EF4-FFF2-40B4-BE49-F238E27FC236}">
-                  <a16:creationId xmlns="" xmlns:a16="http://schemas.microsoft.com/office/drawing/2014/main" id="{41FC97F8-A1F0-378D-AA1C-151557EA26B3}"/>
+                  <a16:creationId xmlns:a16="http://schemas.microsoft.com/office/drawing/2014/main" xmlns="" id="{41FC97F8-A1F0-378D-AA1C-151557EA26B3}"/>
                 </a:ext>
               </a:extLst>
             </p:cNvPr>
@@ -13255,7 +13430,7 @@
             <p:cNvPr id="13" name="TextBox 12">
               <a:extLst>
                 <a:ext uri="{FF2B5EF4-FFF2-40B4-BE49-F238E27FC236}">
-                  <a16:creationId xmlns="" xmlns:a16="http://schemas.microsoft.com/office/drawing/2014/main" id="{5AE0CE05-CF04-4B7B-DBA6-53E572D0D893}"/>
+                  <a16:creationId xmlns:a16="http://schemas.microsoft.com/office/drawing/2014/main" xmlns="" id="{5AE0CE05-CF04-4B7B-DBA6-53E572D0D893}"/>
                 </a:ext>
               </a:extLst>
             </p:cNvPr>
@@ -13297,7 +13472,7 @@
           <p:cNvPr id="14" name="Group 13">
             <a:extLst>
               <a:ext uri="{FF2B5EF4-FFF2-40B4-BE49-F238E27FC236}">
-                <a16:creationId xmlns="" xmlns:a16="http://schemas.microsoft.com/office/drawing/2014/main" id="{7C434A68-C6C6-A737-92A6-BBCE2DBCEB27}"/>
+                <a16:creationId xmlns:a16="http://schemas.microsoft.com/office/drawing/2014/main" xmlns="" id="{7C434A68-C6C6-A737-92A6-BBCE2DBCEB27}"/>
               </a:ext>
             </a:extLst>
           </p:cNvPr>
@@ -13317,7 +13492,7 @@
             <p:cNvPr id="15" name="Oval 14">
               <a:extLst>
                 <a:ext uri="{FF2B5EF4-FFF2-40B4-BE49-F238E27FC236}">
-                  <a16:creationId xmlns="" xmlns:a16="http://schemas.microsoft.com/office/drawing/2014/main" id="{4825AA79-3A5C-81DA-EF7B-31EBEE355DC2}"/>
+                  <a16:creationId xmlns:a16="http://schemas.microsoft.com/office/drawing/2014/main" xmlns="" id="{4825AA79-3A5C-81DA-EF7B-31EBEE355DC2}"/>
                 </a:ext>
               </a:extLst>
             </p:cNvPr>
@@ -13373,7 +13548,7 @@
             <p:cNvPr id="16" name="TextBox 15">
               <a:extLst>
                 <a:ext uri="{FF2B5EF4-FFF2-40B4-BE49-F238E27FC236}">
-                  <a16:creationId xmlns="" xmlns:a16="http://schemas.microsoft.com/office/drawing/2014/main" id="{EACC0321-CE08-0259-EA0F-C96CF7FCAFB9}"/>
+                  <a16:creationId xmlns:a16="http://schemas.microsoft.com/office/drawing/2014/main" xmlns="" id="{EACC0321-CE08-0259-EA0F-C96CF7FCAFB9}"/>
                 </a:ext>
               </a:extLst>
             </p:cNvPr>
@@ -13415,7 +13590,7 @@
           <p:cNvPr id="17" name="Group 16">
             <a:extLst>
               <a:ext uri="{FF2B5EF4-FFF2-40B4-BE49-F238E27FC236}">
-                <a16:creationId xmlns="" xmlns:a16="http://schemas.microsoft.com/office/drawing/2014/main" id="{EAE1D400-02BF-92FC-148F-D6C2AA989C96}"/>
+                <a16:creationId xmlns:a16="http://schemas.microsoft.com/office/drawing/2014/main" xmlns="" id="{EAE1D400-02BF-92FC-148F-D6C2AA989C96}"/>
               </a:ext>
             </a:extLst>
           </p:cNvPr>
@@ -13435,7 +13610,7 @@
             <p:cNvPr id="18" name="Oval 17">
               <a:extLst>
                 <a:ext uri="{FF2B5EF4-FFF2-40B4-BE49-F238E27FC236}">
-                  <a16:creationId xmlns="" xmlns:a16="http://schemas.microsoft.com/office/drawing/2014/main" id="{7EDF0CC6-8995-33DD-A11D-7987E9F1DD13}"/>
+                  <a16:creationId xmlns:a16="http://schemas.microsoft.com/office/drawing/2014/main" xmlns="" id="{7EDF0CC6-8995-33DD-A11D-7987E9F1DD13}"/>
                 </a:ext>
               </a:extLst>
             </p:cNvPr>
@@ -13491,7 +13666,7 @@
             <p:cNvPr id="19" name="TextBox 18">
               <a:extLst>
                 <a:ext uri="{FF2B5EF4-FFF2-40B4-BE49-F238E27FC236}">
-                  <a16:creationId xmlns="" xmlns:a16="http://schemas.microsoft.com/office/drawing/2014/main" id="{49A8D28C-8043-DF3B-2D61-AE5B95783978}"/>
+                  <a16:creationId xmlns:a16="http://schemas.microsoft.com/office/drawing/2014/main" xmlns="" id="{49A8D28C-8043-DF3B-2D61-AE5B95783978}"/>
                 </a:ext>
               </a:extLst>
             </p:cNvPr>
@@ -13533,7 +13708,7 @@
           <p:cNvPr id="20" name="Group 19">
             <a:extLst>
               <a:ext uri="{FF2B5EF4-FFF2-40B4-BE49-F238E27FC236}">
-                <a16:creationId xmlns="" xmlns:a16="http://schemas.microsoft.com/office/drawing/2014/main" id="{8163BFCE-C6FE-8567-E977-7B021F604780}"/>
+                <a16:creationId xmlns:a16="http://schemas.microsoft.com/office/drawing/2014/main" xmlns="" id="{8163BFCE-C6FE-8567-E977-7B021F604780}"/>
               </a:ext>
             </a:extLst>
           </p:cNvPr>
@@ -13553,7 +13728,7 @@
             <p:cNvPr id="21" name="Oval 20">
               <a:extLst>
                 <a:ext uri="{FF2B5EF4-FFF2-40B4-BE49-F238E27FC236}">
-                  <a16:creationId xmlns="" xmlns:a16="http://schemas.microsoft.com/office/drawing/2014/main" id="{6539936D-30D0-472B-6467-9D7B6A5DA43B}"/>
+                  <a16:creationId xmlns:a16="http://schemas.microsoft.com/office/drawing/2014/main" xmlns="" id="{6539936D-30D0-472B-6467-9D7B6A5DA43B}"/>
                 </a:ext>
               </a:extLst>
             </p:cNvPr>
@@ -13609,7 +13784,7 @@
             <p:cNvPr id="22" name="TextBox 21">
               <a:extLst>
                 <a:ext uri="{FF2B5EF4-FFF2-40B4-BE49-F238E27FC236}">
-                  <a16:creationId xmlns="" xmlns:a16="http://schemas.microsoft.com/office/drawing/2014/main" id="{DF3CD8DB-E259-5291-1B58-91716638EF36}"/>
+                  <a16:creationId xmlns:a16="http://schemas.microsoft.com/office/drawing/2014/main" xmlns="" id="{DF3CD8DB-E259-5291-1B58-91716638EF36}"/>
                 </a:ext>
               </a:extLst>
             </p:cNvPr>
@@ -13651,7 +13826,7 @@
           <p:cNvPr id="29" name="Group 28">
             <a:extLst>
               <a:ext uri="{FF2B5EF4-FFF2-40B4-BE49-F238E27FC236}">
-                <a16:creationId xmlns="" xmlns:a16="http://schemas.microsoft.com/office/drawing/2014/main" id="{EAE1D400-02BF-92FC-148F-D6C2AA989C96}"/>
+                <a16:creationId xmlns:a16="http://schemas.microsoft.com/office/drawing/2014/main" xmlns="" id="{EAE1D400-02BF-92FC-148F-D6C2AA989C96}"/>
               </a:ext>
             </a:extLst>
           </p:cNvPr>
@@ -13671,7 +13846,7 @@
             <p:cNvPr id="30" name="Oval 29">
               <a:extLst>
                 <a:ext uri="{FF2B5EF4-FFF2-40B4-BE49-F238E27FC236}">
-                  <a16:creationId xmlns="" xmlns:a16="http://schemas.microsoft.com/office/drawing/2014/main" id="{7EDF0CC6-8995-33DD-A11D-7987E9F1DD13}"/>
+                  <a16:creationId xmlns:a16="http://schemas.microsoft.com/office/drawing/2014/main" xmlns="" id="{7EDF0CC6-8995-33DD-A11D-7987E9F1DD13}"/>
                 </a:ext>
               </a:extLst>
             </p:cNvPr>
@@ -13727,7 +13902,7 @@
             <p:cNvPr id="31" name="TextBox 30">
               <a:extLst>
                 <a:ext uri="{FF2B5EF4-FFF2-40B4-BE49-F238E27FC236}">
-                  <a16:creationId xmlns="" xmlns:a16="http://schemas.microsoft.com/office/drawing/2014/main" id="{49A8D28C-8043-DF3B-2D61-AE5B95783978}"/>
+                  <a16:creationId xmlns:a16="http://schemas.microsoft.com/office/drawing/2014/main" xmlns="" id="{49A8D28C-8043-DF3B-2D61-AE5B95783978}"/>
                 </a:ext>
               </a:extLst>
             </p:cNvPr>
@@ -13820,7 +13995,7 @@
           <p:cNvPr id="2" name="Title 1">
             <a:extLst>
               <a:ext uri="{FF2B5EF4-FFF2-40B4-BE49-F238E27FC236}">
-                <a16:creationId xmlns="" xmlns:a16="http://schemas.microsoft.com/office/drawing/2014/main" id="{A366E7AE-2907-6A4C-B350-63622C840038}"/>
+                <a16:creationId xmlns:a16="http://schemas.microsoft.com/office/drawing/2014/main" xmlns="" id="{A366E7AE-2907-6A4C-B350-63622C840038}"/>
               </a:ext>
             </a:extLst>
           </p:cNvPr>
@@ -13865,7 +14040,7 @@
           <p:cNvPr id="4" name="Rectangle 3">
             <a:extLst>
               <a:ext uri="{FF2B5EF4-FFF2-40B4-BE49-F238E27FC236}">
-                <a16:creationId xmlns="" xmlns:a16="http://schemas.microsoft.com/office/drawing/2014/main" id="{9855AB97-CE12-8C6A-E32A-0980E93B3A40}"/>
+                <a16:creationId xmlns:a16="http://schemas.microsoft.com/office/drawing/2014/main" xmlns="" id="{9855AB97-CE12-8C6A-E32A-0980E93B3A40}"/>
               </a:ext>
             </a:extLst>
           </p:cNvPr>
@@ -13920,7 +14095,7 @@
           <p:cNvPr id="3" name="Content Placeholder 2">
             <a:extLst>
               <a:ext uri="{FF2B5EF4-FFF2-40B4-BE49-F238E27FC236}">
-                <a16:creationId xmlns="" xmlns:a16="http://schemas.microsoft.com/office/drawing/2014/main" id="{9678DAF0-EC40-E05F-BE2A-6BAA3BC34ABB}"/>
+                <a16:creationId xmlns:a16="http://schemas.microsoft.com/office/drawing/2014/main" xmlns="" id="{9678DAF0-EC40-E05F-BE2A-6BAA3BC34ABB}"/>
               </a:ext>
             </a:extLst>
           </p:cNvPr>
@@ -14047,7 +14222,7 @@
           <p:cNvPr id="2" name="Title 1">
             <a:extLst>
               <a:ext uri="{FF2B5EF4-FFF2-40B4-BE49-F238E27FC236}">
-                <a16:creationId xmlns="" xmlns:a16="http://schemas.microsoft.com/office/drawing/2014/main" id="{A366E7AE-2907-6A4C-B350-63622C840038}"/>
+                <a16:creationId xmlns:a16="http://schemas.microsoft.com/office/drawing/2014/main" xmlns="" id="{A366E7AE-2907-6A4C-B350-63622C840038}"/>
               </a:ext>
             </a:extLst>
           </p:cNvPr>
@@ -14091,7 +14266,7 @@
           <p:cNvPr id="3" name="Content Placeholder 2">
             <a:extLst>
               <a:ext uri="{FF2B5EF4-FFF2-40B4-BE49-F238E27FC236}">
-                <a16:creationId xmlns="" xmlns:a16="http://schemas.microsoft.com/office/drawing/2014/main" id="{9678DAF0-EC40-E05F-BE2A-6BAA3BC34ABB}"/>
+                <a16:creationId xmlns:a16="http://schemas.microsoft.com/office/drawing/2014/main" xmlns="" id="{9678DAF0-EC40-E05F-BE2A-6BAA3BC34ABB}"/>
               </a:ext>
             </a:extLst>
           </p:cNvPr>
@@ -14228,7 +14403,7 @@
           <p:cNvPr id="10" name="TextBox 9">
             <a:extLst>
               <a:ext uri="{FF2B5EF4-FFF2-40B4-BE49-F238E27FC236}">
-                <a16:creationId xmlns="" xmlns:a16="http://schemas.microsoft.com/office/drawing/2014/main" id="{A0319DFB-F773-7122-A4DE-9C823B1A841B}"/>
+                <a16:creationId xmlns:a16="http://schemas.microsoft.com/office/drawing/2014/main" xmlns="" id="{A0319DFB-F773-7122-A4DE-9C823B1A841B}"/>
               </a:ext>
             </a:extLst>
           </p:cNvPr>
@@ -14311,7 +14486,7 @@
           <p:cNvPr id="5" name="Title 1">
             <a:extLst>
               <a:ext uri="{FF2B5EF4-FFF2-40B4-BE49-F238E27FC236}">
-                <a16:creationId xmlns="" xmlns:a16="http://schemas.microsoft.com/office/drawing/2014/main" id="{BCCDB550-8CD5-D5B9-7B45-C4AFCEE7A368}"/>
+                <a16:creationId xmlns:a16="http://schemas.microsoft.com/office/drawing/2014/main" xmlns="" id="{BCCDB550-8CD5-D5B9-7B45-C4AFCEE7A368}"/>
               </a:ext>
             </a:extLst>
           </p:cNvPr>
@@ -14440,7 +14615,7 @@
           <p:cNvPr id="2" name="Title 1">
             <a:extLst>
               <a:ext uri="{FF2B5EF4-FFF2-40B4-BE49-F238E27FC236}">
-                <a16:creationId xmlns="" xmlns:a16="http://schemas.microsoft.com/office/drawing/2014/main" id="{A366E7AE-2907-6A4C-B350-63622C840038}"/>
+                <a16:creationId xmlns:a16="http://schemas.microsoft.com/office/drawing/2014/main" xmlns="" id="{A366E7AE-2907-6A4C-B350-63622C840038}"/>
               </a:ext>
             </a:extLst>
           </p:cNvPr>
@@ -14478,7 +14653,7 @@
           <p:cNvPr id="4" name="Rectangle 3">
             <a:extLst>
               <a:ext uri="{FF2B5EF4-FFF2-40B4-BE49-F238E27FC236}">
-                <a16:creationId xmlns="" xmlns:a16="http://schemas.microsoft.com/office/drawing/2014/main" id="{9855AB97-CE12-8C6A-E32A-0980E93B3A40}"/>
+                <a16:creationId xmlns:a16="http://schemas.microsoft.com/office/drawing/2014/main" xmlns="" id="{9855AB97-CE12-8C6A-E32A-0980E93B3A40}"/>
               </a:ext>
             </a:extLst>
           </p:cNvPr>
@@ -14533,7 +14708,7 @@
           <p:cNvPr id="3" name="Content Placeholder 2">
             <a:extLst>
               <a:ext uri="{FF2B5EF4-FFF2-40B4-BE49-F238E27FC236}">
-                <a16:creationId xmlns="" xmlns:a16="http://schemas.microsoft.com/office/drawing/2014/main" id="{9678DAF0-EC40-E05F-BE2A-6BAA3BC34ABB}"/>
+                <a16:creationId xmlns:a16="http://schemas.microsoft.com/office/drawing/2014/main" xmlns="" id="{9678DAF0-EC40-E05F-BE2A-6BAA3BC34ABB}"/>
               </a:ext>
             </a:extLst>
           </p:cNvPr>
@@ -14581,7 +14756,7 @@
           <p:cNvPr id="10" name="TextBox 9">
             <a:extLst>
               <a:ext uri="{FF2B5EF4-FFF2-40B4-BE49-F238E27FC236}">
-                <a16:creationId xmlns="" xmlns:a16="http://schemas.microsoft.com/office/drawing/2014/main" id="{A0319DFB-F773-7122-A4DE-9C823B1A841B}"/>
+                <a16:creationId xmlns:a16="http://schemas.microsoft.com/office/drawing/2014/main" xmlns="" id="{A0319DFB-F773-7122-A4DE-9C823B1A841B}"/>
               </a:ext>
             </a:extLst>
           </p:cNvPr>
@@ -14619,7 +14794,7 @@
           <p:cNvPr id="23" name="Content Placeholder 2">
             <a:extLst>
               <a:ext uri="{FF2B5EF4-FFF2-40B4-BE49-F238E27FC236}">
-                <a16:creationId xmlns="" xmlns:a16="http://schemas.microsoft.com/office/drawing/2014/main" id="{996642FC-2683-355E-51D5-2FDD97E73C63}"/>
+                <a16:creationId xmlns:a16="http://schemas.microsoft.com/office/drawing/2014/main" xmlns="" id="{996642FC-2683-355E-51D5-2FDD97E73C63}"/>
               </a:ext>
             </a:extLst>
           </p:cNvPr>
@@ -14832,7 +15007,7 @@
           <p:cNvPr id="24" name="Content Placeholder 2">
             <a:extLst>
               <a:ext uri="{FF2B5EF4-FFF2-40B4-BE49-F238E27FC236}">
-                <a16:creationId xmlns="" xmlns:a16="http://schemas.microsoft.com/office/drawing/2014/main" id="{45BC6670-D62D-9A66-60A0-634295D0EDF0}"/>
+                <a16:creationId xmlns:a16="http://schemas.microsoft.com/office/drawing/2014/main" xmlns="" id="{45BC6670-D62D-9A66-60A0-634295D0EDF0}"/>
               </a:ext>
             </a:extLst>
           </p:cNvPr>
@@ -15045,7 +15220,7 @@
           <p:cNvPr id="25" name="Content Placeholder 2">
             <a:extLst>
               <a:ext uri="{FF2B5EF4-FFF2-40B4-BE49-F238E27FC236}">
-                <a16:creationId xmlns="" xmlns:a16="http://schemas.microsoft.com/office/drawing/2014/main" id="{A7A581C5-A211-B778-4BDB-55F20530B1C6}"/>
+                <a16:creationId xmlns:a16="http://schemas.microsoft.com/office/drawing/2014/main" xmlns="" id="{A7A581C5-A211-B778-4BDB-55F20530B1C6}"/>
               </a:ext>
             </a:extLst>
           </p:cNvPr>
@@ -15265,7 +15440,7 @@
           <p:cNvPr id="9" name="Content Placeholder 2">
             <a:extLst>
               <a:ext uri="{FF2B5EF4-FFF2-40B4-BE49-F238E27FC236}">
-                <a16:creationId xmlns="" xmlns:a16="http://schemas.microsoft.com/office/drawing/2014/main" id="{996642FC-2683-355E-51D5-2FDD97E73C63}"/>
+                <a16:creationId xmlns:a16="http://schemas.microsoft.com/office/drawing/2014/main" xmlns="" id="{996642FC-2683-355E-51D5-2FDD97E73C63}"/>
               </a:ext>
             </a:extLst>
           </p:cNvPr>
@@ -15478,7 +15653,7 @@
           <p:cNvPr id="11" name="Content Placeholder 2">
             <a:extLst>
               <a:ext uri="{FF2B5EF4-FFF2-40B4-BE49-F238E27FC236}">
-                <a16:creationId xmlns="" xmlns:a16="http://schemas.microsoft.com/office/drawing/2014/main" id="{996642FC-2683-355E-51D5-2FDD97E73C63}"/>
+                <a16:creationId xmlns:a16="http://schemas.microsoft.com/office/drawing/2014/main" xmlns="" id="{996642FC-2683-355E-51D5-2FDD97E73C63}"/>
               </a:ext>
             </a:extLst>
           </p:cNvPr>
@@ -15691,7 +15866,7 @@
           <p:cNvPr id="12" name="Content Placeholder 2">
             <a:extLst>
               <a:ext uri="{FF2B5EF4-FFF2-40B4-BE49-F238E27FC236}">
-                <a16:creationId xmlns="" xmlns:a16="http://schemas.microsoft.com/office/drawing/2014/main" id="{996642FC-2683-355E-51D5-2FDD97E73C63}"/>
+                <a16:creationId xmlns:a16="http://schemas.microsoft.com/office/drawing/2014/main" xmlns="" id="{996642FC-2683-355E-51D5-2FDD97E73C63}"/>
               </a:ext>
             </a:extLst>
           </p:cNvPr>
@@ -15904,7 +16079,7 @@
           <p:cNvPr id="13" name="Content Placeholder 2">
             <a:extLst>
               <a:ext uri="{FF2B5EF4-FFF2-40B4-BE49-F238E27FC236}">
-                <a16:creationId xmlns="" xmlns:a16="http://schemas.microsoft.com/office/drawing/2014/main" id="{996642FC-2683-355E-51D5-2FDD97E73C63}"/>
+                <a16:creationId xmlns:a16="http://schemas.microsoft.com/office/drawing/2014/main" xmlns="" id="{996642FC-2683-355E-51D5-2FDD97E73C63}"/>
               </a:ext>
             </a:extLst>
           </p:cNvPr>
@@ -16162,7 +16337,7 @@
           <p:cNvPr id="5" name="Title 1">
             <a:extLst>
               <a:ext uri="{FF2B5EF4-FFF2-40B4-BE49-F238E27FC236}">
-                <a16:creationId xmlns="" xmlns:a16="http://schemas.microsoft.com/office/drawing/2014/main" id="{BCCDB550-8CD5-D5B9-7B45-C4AFCEE7A368}"/>
+                <a16:creationId xmlns:a16="http://schemas.microsoft.com/office/drawing/2014/main" xmlns="" id="{BCCDB550-8CD5-D5B9-7B45-C4AFCEE7A368}"/>
               </a:ext>
             </a:extLst>
           </p:cNvPr>
@@ -16221,7 +16396,7 @@
           <p:cNvPr id="6" name="Rectangle 5">
             <a:extLst>
               <a:ext uri="{FF2B5EF4-FFF2-40B4-BE49-F238E27FC236}">
-                <a16:creationId xmlns="" xmlns:a16="http://schemas.microsoft.com/office/drawing/2014/main" id="{DFDED218-0CEB-D90D-5B44-62D2F42AA924}"/>
+                <a16:creationId xmlns:a16="http://schemas.microsoft.com/office/drawing/2014/main" xmlns="" id="{DFDED218-0CEB-D90D-5B44-62D2F42AA924}"/>
               </a:ext>
             </a:extLst>
           </p:cNvPr>
@@ -16276,7 +16451,7 @@
           <p:cNvPr id="7" name="Content Placeholder 2">
             <a:extLst>
               <a:ext uri="{FF2B5EF4-FFF2-40B4-BE49-F238E27FC236}">
-                <a16:creationId xmlns="" xmlns:a16="http://schemas.microsoft.com/office/drawing/2014/main" id="{BEECE572-1612-EAE0-D87D-1CD2382E58A0}"/>
+                <a16:creationId xmlns:a16="http://schemas.microsoft.com/office/drawing/2014/main" xmlns="" id="{BEECE572-1612-EAE0-D87D-1CD2382E58A0}"/>
               </a:ext>
             </a:extLst>
           </p:cNvPr>
@@ -16489,7 +16664,7 @@
           <p:cNvPr id="8" name="Content Placeholder 2">
             <a:extLst>
               <a:ext uri="{FF2B5EF4-FFF2-40B4-BE49-F238E27FC236}">
-                <a16:creationId xmlns="" xmlns:a16="http://schemas.microsoft.com/office/drawing/2014/main" id="{570DA717-B3BE-3BEB-9855-75B7854F99A1}"/>
+                <a16:creationId xmlns:a16="http://schemas.microsoft.com/office/drawing/2014/main" xmlns="" id="{570DA717-B3BE-3BEB-9855-75B7854F99A1}"/>
               </a:ext>
             </a:extLst>
           </p:cNvPr>
@@ -16810,7 +16985,7 @@
           <p:cNvPr id="5" name="Title 1">
             <a:extLst>
               <a:ext uri="{FF2B5EF4-FFF2-40B4-BE49-F238E27FC236}">
-                <a16:creationId xmlns="" xmlns:a16="http://schemas.microsoft.com/office/drawing/2014/main" id="{BCCDB550-8CD5-D5B9-7B45-C4AFCEE7A368}"/>
+                <a16:creationId xmlns:a16="http://schemas.microsoft.com/office/drawing/2014/main" xmlns="" id="{BCCDB550-8CD5-D5B9-7B45-C4AFCEE7A368}"/>
               </a:ext>
             </a:extLst>
           </p:cNvPr>
@@ -16870,7 +17045,7 @@
           <p:cNvPr id="6" name="Rectangle 5">
             <a:extLst>
               <a:ext uri="{FF2B5EF4-FFF2-40B4-BE49-F238E27FC236}">
-                <a16:creationId xmlns="" xmlns:a16="http://schemas.microsoft.com/office/drawing/2014/main" id="{DFDED218-0CEB-D90D-5B44-62D2F42AA924}"/>
+                <a16:creationId xmlns:a16="http://schemas.microsoft.com/office/drawing/2014/main" xmlns="" id="{DFDED218-0CEB-D90D-5B44-62D2F42AA924}"/>
               </a:ext>
             </a:extLst>
           </p:cNvPr>
@@ -16925,7 +17100,7 @@
           <p:cNvPr id="7" name="Content Placeholder 2">
             <a:extLst>
               <a:ext uri="{FF2B5EF4-FFF2-40B4-BE49-F238E27FC236}">
-                <a16:creationId xmlns="" xmlns:a16="http://schemas.microsoft.com/office/drawing/2014/main" id="{570DA717-B3BE-3BEB-9855-75B7854F99A1}"/>
+                <a16:creationId xmlns:a16="http://schemas.microsoft.com/office/drawing/2014/main" xmlns="" id="{570DA717-B3BE-3BEB-9855-75B7854F99A1}"/>
               </a:ext>
             </a:extLst>
           </p:cNvPr>
@@ -17212,7 +17387,7 @@
           <p:cNvPr id="5" name="Title 1">
             <a:extLst>
               <a:ext uri="{FF2B5EF4-FFF2-40B4-BE49-F238E27FC236}">
-                <a16:creationId xmlns="" xmlns:a16="http://schemas.microsoft.com/office/drawing/2014/main" id="{BCCDB550-8CD5-D5B9-7B45-C4AFCEE7A368}"/>
+                <a16:creationId xmlns:a16="http://schemas.microsoft.com/office/drawing/2014/main" xmlns="" id="{BCCDB550-8CD5-D5B9-7B45-C4AFCEE7A368}"/>
               </a:ext>
             </a:extLst>
           </p:cNvPr>
@@ -17272,7 +17447,7 @@
           <p:cNvPr id="6" name="Rectangle 5">
             <a:extLst>
               <a:ext uri="{FF2B5EF4-FFF2-40B4-BE49-F238E27FC236}">
-                <a16:creationId xmlns="" xmlns:a16="http://schemas.microsoft.com/office/drawing/2014/main" id="{DFDED218-0CEB-D90D-5B44-62D2F42AA924}"/>
+                <a16:creationId xmlns:a16="http://schemas.microsoft.com/office/drawing/2014/main" xmlns="" id="{DFDED218-0CEB-D90D-5B44-62D2F42AA924}"/>
               </a:ext>
             </a:extLst>
           </p:cNvPr>
@@ -17327,47 +17502,7 @@
                 <a:latin typeface="Hind Siliguri" panose="02000000000000000000" pitchFamily="2" charset="77"/>
                 <a:cs typeface="Hind Siliguri" panose="02000000000000000000" pitchFamily="2" charset="77"/>
               </a:rPr>
-              <a:t>Since 2010</a:t>
-            </a:r>
-            <a:r>
-              <a:rPr lang="en-US" dirty="0" smtClean="0">
-                <a:solidFill>
-                  <a:schemeClr val="tx1"/>
-                </a:solidFill>
-                <a:latin typeface="Hind Siliguri" panose="02000000000000000000" pitchFamily="2" charset="77"/>
-                <a:cs typeface="Hind Siliguri" panose="02000000000000000000" pitchFamily="2" charset="77"/>
-              </a:rPr>
-              <a:t>, Ken Watanabe and Leonardo DiCaprio were </a:t>
-            </a:r>
-            <a:r>
-              <a:rPr lang="en-US" dirty="0" smtClean="0">
-                <a:solidFill>
-                  <a:schemeClr val="tx1"/>
-                </a:solidFill>
-                <a:latin typeface="Hind Siliguri" panose="02000000000000000000" pitchFamily="2" charset="77"/>
-                <a:cs typeface="Hind Siliguri" panose="02000000000000000000" pitchFamily="2" charset="77"/>
-              </a:rPr>
-              <a:t>the </a:t>
-            </a:r>
-            <a:r>
-              <a:rPr lang="en-US" dirty="0" smtClean="0">
-                <a:solidFill>
-                  <a:schemeClr val="tx1"/>
-                </a:solidFill>
-                <a:latin typeface="Hind Siliguri" panose="02000000000000000000" pitchFamily="2" charset="77"/>
-                <a:cs typeface="Hind Siliguri" panose="02000000000000000000" pitchFamily="2" charset="77"/>
-              </a:rPr>
-              <a:t>most popular </a:t>
-            </a:r>
-            <a:r>
-              <a:rPr lang="en-US" dirty="0" smtClean="0">
-                <a:solidFill>
-                  <a:schemeClr val="tx1"/>
-                </a:solidFill>
-                <a:latin typeface="Hind Siliguri" panose="02000000000000000000" pitchFamily="2" charset="77"/>
-                <a:cs typeface="Hind Siliguri" panose="02000000000000000000" pitchFamily="2" charset="77"/>
-              </a:rPr>
-              <a:t>actors, voted by the general audience.</a:t>
+              <a:t>Since 2010, Ken Watanabe and Leonardo DiCaprio were the most popular actors, voted by the general audience.</a:t>
             </a:r>
             <a:endParaRPr lang="en-US" dirty="0">
               <a:solidFill>
@@ -17384,7 +17519,7 @@
           <p:cNvPr id="7" name="Content Placeholder 2">
             <a:extLst>
               <a:ext uri="{FF2B5EF4-FFF2-40B4-BE49-F238E27FC236}">
-                <a16:creationId xmlns="" xmlns:a16="http://schemas.microsoft.com/office/drawing/2014/main" id="{570DA717-B3BE-3BEB-9855-75B7854F99A1}"/>
+                <a16:creationId xmlns:a16="http://schemas.microsoft.com/office/drawing/2014/main" xmlns="" id="{570DA717-B3BE-3BEB-9855-75B7854F99A1}"/>
               </a:ext>
             </a:extLst>
           </p:cNvPr>
